--- a/BSc_project_presentation.pptx
+++ b/BSc_project_presentation.pptx
@@ -5,7 +5,7 @@
     <p:sldMasterId id="2147483660" r:id="rId1"/>
   </p:sldMasterIdLst>
   <p:notesMasterIdLst>
-    <p:notesMasterId r:id="rId20"/>
+    <p:notesMasterId r:id="rId23"/>
   </p:notesMasterIdLst>
   <p:sldIdLst>
     <p:sldId id="259" r:id="rId2"/>
@@ -25,7 +25,10 @@
     <p:sldId id="277" r:id="rId16"/>
     <p:sldId id="279" r:id="rId17"/>
     <p:sldId id="280" r:id="rId18"/>
-    <p:sldId id="289" r:id="rId19"/>
+    <p:sldId id="290" r:id="rId19"/>
+    <p:sldId id="291" r:id="rId20"/>
+    <p:sldId id="292" r:id="rId21"/>
+    <p:sldId id="289" r:id="rId22"/>
   </p:sldIdLst>
   <p:sldSz cx="12192000" cy="6858000"/>
   <p:notesSz cx="6858000" cy="9144000"/>
@@ -15586,7 +15589,7 @@
           <a:p>
             <a:fld id="{EA1EAAC9-1AB0-466E-B530-E577E0825E91}" type="datetimeFigureOut">
               <a:rPr lang="fr-FR" smtClean="0"/>
-              <a:t>31/03/2019</a:t>
+              <a:t>06/04/2019</a:t>
             </a:fld>
             <a:endParaRPr lang="fr-FR"/>
           </a:p>
@@ -27011,168 +27014,195 @@
           </p:spPr>
         </p:pic>
       </p:grpSp>
-      <p:graphicFrame>
-        <p:nvGraphicFramePr>
-          <p:cNvPr id="43" name="Diagramme 42">
+      <p:grpSp>
+        <p:nvGrpSpPr>
+          <p:cNvPr id="3" name="Groupe 2">
             <a:extLst>
               <a:ext uri="{FF2B5EF4-FFF2-40B4-BE49-F238E27FC236}">
-                <a16:creationId xmlns:a16="http://schemas.microsoft.com/office/drawing/2014/main" id="{DAF8ACA6-1B90-4E4D-A944-C89A9EA411CC}"/>
+                <a16:creationId xmlns:a16="http://schemas.microsoft.com/office/drawing/2014/main" id="{F0F029B3-5C25-44FA-BF4C-61ABB81885B9}"/>
               </a:ext>
             </a:extLst>
           </p:cNvPr>
-          <p:cNvGraphicFramePr/>
+          <p:cNvGrpSpPr/>
           <p:nvPr/>
-        </p:nvGraphicFramePr>
-        <p:xfrm>
-          <a:off x="1630240" y="5088473"/>
-          <a:ext cx="9461255" cy="365125"/>
-        </p:xfrm>
-        <a:graphic>
-          <a:graphicData uri="http://schemas.openxmlformats.org/drawingml/2006/diagram">
-            <dgm:relIds xmlns:dgm="http://schemas.openxmlformats.org/drawingml/2006/diagram" xmlns:r="http://schemas.openxmlformats.org/officeDocument/2006/relationships" r:dm="rId21" r:lo="rId22" r:qs="rId23" r:cs="rId24"/>
-          </a:graphicData>
-        </a:graphic>
-      </p:graphicFrame>
-      <p:sp>
-        <p:nvSpPr>
-          <p:cNvPr id="44" name="ZoneTexte 43">
-            <a:extLst>
-              <a:ext uri="{FF2B5EF4-FFF2-40B4-BE49-F238E27FC236}">
-                <a16:creationId xmlns:a16="http://schemas.microsoft.com/office/drawing/2014/main" id="{E1BABF98-CBC1-4E0A-B767-393FC27F2709}"/>
-              </a:ext>
-            </a:extLst>
-          </p:cNvPr>
-          <p:cNvSpPr txBox="1"/>
-          <p:nvPr/>
-        </p:nvSpPr>
-        <p:spPr>
+        </p:nvGrpSpPr>
+        <p:grpSpPr>
           <a:xfrm>
-            <a:off x="3479214" y="5535642"/>
-            <a:ext cx="785674" cy="369332"/>
+            <a:off x="1237403" y="5088473"/>
+            <a:ext cx="10246929" cy="816861"/>
+            <a:chOff x="1237403" y="5088473"/>
+            <a:chExt cx="10246929" cy="816861"/>
           </a:xfrm>
-          <a:prstGeom prst="rect">
-            <a:avLst/>
-          </a:prstGeom>
-          <a:noFill/>
-        </p:spPr>
-        <p:txBody>
-          <a:bodyPr wrap="square" rtlCol="0">
-            <a:spAutoFit/>
-          </a:bodyPr>
-          <a:lstStyle/>
-          <a:p>
-            <a:r>
-              <a:rPr lang="fr-FR" dirty="0"/>
-              <a:t>10/04</a:t>
-            </a:r>
-          </a:p>
-        </p:txBody>
-      </p:sp>
-      <p:sp>
-        <p:nvSpPr>
-          <p:cNvPr id="45" name="ZoneTexte 44">
-            <a:extLst>
-              <a:ext uri="{FF2B5EF4-FFF2-40B4-BE49-F238E27FC236}">
-                <a16:creationId xmlns:a16="http://schemas.microsoft.com/office/drawing/2014/main" id="{1498F8E7-7C61-4C4B-94D1-A9E0D928CB5A}"/>
-              </a:ext>
-            </a:extLst>
-          </p:cNvPr>
-          <p:cNvSpPr txBox="1"/>
-          <p:nvPr/>
-        </p:nvSpPr>
-        <p:spPr>
-          <a:xfrm>
-            <a:off x="7513257" y="5535642"/>
-            <a:ext cx="785674" cy="369332"/>
-          </a:xfrm>
-          <a:prstGeom prst="rect">
-            <a:avLst/>
-          </a:prstGeom>
-          <a:noFill/>
-        </p:spPr>
-        <p:txBody>
-          <a:bodyPr wrap="square" rtlCol="0">
-            <a:spAutoFit/>
-          </a:bodyPr>
-          <a:lstStyle/>
-          <a:p>
-            <a:r>
-              <a:rPr lang="fr-FR" dirty="0"/>
-              <a:t>22/05</a:t>
-            </a:r>
-          </a:p>
-        </p:txBody>
-      </p:sp>
-      <p:sp>
-        <p:nvSpPr>
-          <p:cNvPr id="46" name="ZoneTexte 45">
-            <a:extLst>
-              <a:ext uri="{FF2B5EF4-FFF2-40B4-BE49-F238E27FC236}">
-                <a16:creationId xmlns:a16="http://schemas.microsoft.com/office/drawing/2014/main" id="{94CEDD59-966A-4E75-A315-4BC11207A35D}"/>
-              </a:ext>
-            </a:extLst>
-          </p:cNvPr>
-          <p:cNvSpPr txBox="1"/>
-          <p:nvPr/>
-        </p:nvSpPr>
-        <p:spPr>
-          <a:xfrm>
-            <a:off x="1237403" y="5535642"/>
-            <a:ext cx="785674" cy="369332"/>
-          </a:xfrm>
-          <a:prstGeom prst="rect">
-            <a:avLst/>
-          </a:prstGeom>
-          <a:noFill/>
-        </p:spPr>
-        <p:txBody>
-          <a:bodyPr wrap="square" rtlCol="0">
-            <a:spAutoFit/>
-          </a:bodyPr>
-          <a:lstStyle/>
-          <a:p>
-            <a:r>
-              <a:rPr lang="fr-FR" dirty="0"/>
-              <a:t>20/03</a:t>
-            </a:r>
-          </a:p>
-        </p:txBody>
-      </p:sp>
-      <p:sp>
-        <p:nvSpPr>
-          <p:cNvPr id="48" name="ZoneTexte 47">
-            <a:extLst>
-              <a:ext uri="{FF2B5EF4-FFF2-40B4-BE49-F238E27FC236}">
-                <a16:creationId xmlns:a16="http://schemas.microsoft.com/office/drawing/2014/main" id="{B455658A-1A8B-405A-BBE7-2C9FEC5876FA}"/>
-              </a:ext>
-            </a:extLst>
-          </p:cNvPr>
-          <p:cNvSpPr txBox="1"/>
-          <p:nvPr/>
-        </p:nvSpPr>
-        <p:spPr>
-          <a:xfrm>
-            <a:off x="10698658" y="5536002"/>
-            <a:ext cx="785674" cy="369332"/>
-          </a:xfrm>
-          <a:prstGeom prst="rect">
-            <a:avLst/>
-          </a:prstGeom>
-          <a:noFill/>
-        </p:spPr>
-        <p:txBody>
-          <a:bodyPr wrap="square" rtlCol="0">
-            <a:spAutoFit/>
-          </a:bodyPr>
-          <a:lstStyle/>
-          <a:p>
-            <a:r>
-              <a:rPr lang="fr-FR" dirty="0"/>
-              <a:t>19/06</a:t>
-            </a:r>
-          </a:p>
-        </p:txBody>
-      </p:sp>
+        </p:grpSpPr>
+        <p:graphicFrame>
+          <p:nvGraphicFramePr>
+            <p:cNvPr id="43" name="Diagramme 42">
+              <a:extLst>
+                <a:ext uri="{FF2B5EF4-FFF2-40B4-BE49-F238E27FC236}">
+                  <a16:creationId xmlns:a16="http://schemas.microsoft.com/office/drawing/2014/main" id="{DAF8ACA6-1B90-4E4D-A944-C89A9EA411CC}"/>
+                </a:ext>
+              </a:extLst>
+            </p:cNvPr>
+            <p:cNvGraphicFramePr/>
+            <p:nvPr>
+              <p:extLst>
+                <p:ext uri="{D42A27DB-BD31-4B8C-83A1-F6EECF244321}">
+                  <p14:modId xmlns:p14="http://schemas.microsoft.com/office/powerpoint/2010/main" val="1045648967"/>
+                </p:ext>
+              </p:extLst>
+            </p:nvPr>
+          </p:nvGraphicFramePr>
+          <p:xfrm>
+            <a:off x="1630240" y="5088473"/>
+            <a:ext cx="9461255" cy="365125"/>
+          </p:xfrm>
+          <a:graphic>
+            <a:graphicData uri="http://schemas.openxmlformats.org/drawingml/2006/diagram">
+              <dgm:relIds xmlns:dgm="http://schemas.openxmlformats.org/drawingml/2006/diagram" xmlns:r="http://schemas.openxmlformats.org/officeDocument/2006/relationships" r:dm="rId21" r:lo="rId22" r:qs="rId23" r:cs="rId24"/>
+            </a:graphicData>
+          </a:graphic>
+        </p:graphicFrame>
+        <p:sp>
+          <p:nvSpPr>
+            <p:cNvPr id="44" name="ZoneTexte 43">
+              <a:extLst>
+                <a:ext uri="{FF2B5EF4-FFF2-40B4-BE49-F238E27FC236}">
+                  <a16:creationId xmlns:a16="http://schemas.microsoft.com/office/drawing/2014/main" id="{E1BABF98-CBC1-4E0A-B767-393FC27F2709}"/>
+                </a:ext>
+              </a:extLst>
+            </p:cNvPr>
+            <p:cNvSpPr txBox="1"/>
+            <p:nvPr/>
+          </p:nvSpPr>
+          <p:spPr>
+            <a:xfrm>
+              <a:off x="3479214" y="5535642"/>
+              <a:ext cx="785674" cy="369332"/>
+            </a:xfrm>
+            <a:prstGeom prst="rect">
+              <a:avLst/>
+            </a:prstGeom>
+            <a:noFill/>
+          </p:spPr>
+          <p:txBody>
+            <a:bodyPr wrap="square" rtlCol="0">
+              <a:spAutoFit/>
+            </a:bodyPr>
+            <a:lstStyle/>
+            <a:p>
+              <a:r>
+                <a:rPr lang="fr-FR" dirty="0"/>
+                <a:t>10/04</a:t>
+              </a:r>
+            </a:p>
+          </p:txBody>
+        </p:sp>
+        <p:sp>
+          <p:nvSpPr>
+            <p:cNvPr id="45" name="ZoneTexte 44">
+              <a:extLst>
+                <a:ext uri="{FF2B5EF4-FFF2-40B4-BE49-F238E27FC236}">
+                  <a16:creationId xmlns:a16="http://schemas.microsoft.com/office/drawing/2014/main" id="{1498F8E7-7C61-4C4B-94D1-A9E0D928CB5A}"/>
+                </a:ext>
+              </a:extLst>
+            </p:cNvPr>
+            <p:cNvSpPr txBox="1"/>
+            <p:nvPr/>
+          </p:nvSpPr>
+          <p:spPr>
+            <a:xfrm>
+              <a:off x="7513257" y="5535642"/>
+              <a:ext cx="785674" cy="369332"/>
+            </a:xfrm>
+            <a:prstGeom prst="rect">
+              <a:avLst/>
+            </a:prstGeom>
+            <a:noFill/>
+          </p:spPr>
+          <p:txBody>
+            <a:bodyPr wrap="square" rtlCol="0">
+              <a:spAutoFit/>
+            </a:bodyPr>
+            <a:lstStyle/>
+            <a:p>
+              <a:r>
+                <a:rPr lang="fr-FR" dirty="0"/>
+                <a:t>22/05</a:t>
+              </a:r>
+            </a:p>
+          </p:txBody>
+        </p:sp>
+        <p:sp>
+          <p:nvSpPr>
+            <p:cNvPr id="46" name="ZoneTexte 45">
+              <a:extLst>
+                <a:ext uri="{FF2B5EF4-FFF2-40B4-BE49-F238E27FC236}">
+                  <a16:creationId xmlns:a16="http://schemas.microsoft.com/office/drawing/2014/main" id="{94CEDD59-966A-4E75-A315-4BC11207A35D}"/>
+                </a:ext>
+              </a:extLst>
+            </p:cNvPr>
+            <p:cNvSpPr txBox="1"/>
+            <p:nvPr/>
+          </p:nvSpPr>
+          <p:spPr>
+            <a:xfrm>
+              <a:off x="1237403" y="5535642"/>
+              <a:ext cx="785674" cy="369332"/>
+            </a:xfrm>
+            <a:prstGeom prst="rect">
+              <a:avLst/>
+            </a:prstGeom>
+            <a:noFill/>
+          </p:spPr>
+          <p:txBody>
+            <a:bodyPr wrap="square" rtlCol="0">
+              <a:spAutoFit/>
+            </a:bodyPr>
+            <a:lstStyle/>
+            <a:p>
+              <a:r>
+                <a:rPr lang="fr-FR" dirty="0"/>
+                <a:t>20/03</a:t>
+              </a:r>
+            </a:p>
+          </p:txBody>
+        </p:sp>
+        <p:sp>
+          <p:nvSpPr>
+            <p:cNvPr id="48" name="ZoneTexte 47">
+              <a:extLst>
+                <a:ext uri="{FF2B5EF4-FFF2-40B4-BE49-F238E27FC236}">
+                  <a16:creationId xmlns:a16="http://schemas.microsoft.com/office/drawing/2014/main" id="{B455658A-1A8B-405A-BBE7-2C9FEC5876FA}"/>
+                </a:ext>
+              </a:extLst>
+            </p:cNvPr>
+            <p:cNvSpPr txBox="1"/>
+            <p:nvPr/>
+          </p:nvSpPr>
+          <p:spPr>
+            <a:xfrm>
+              <a:off x="10698658" y="5536002"/>
+              <a:ext cx="785674" cy="369332"/>
+            </a:xfrm>
+            <a:prstGeom prst="rect">
+              <a:avLst/>
+            </a:prstGeom>
+            <a:noFill/>
+          </p:spPr>
+          <p:txBody>
+            <a:bodyPr wrap="square" rtlCol="0">
+              <a:spAutoFit/>
+            </a:bodyPr>
+            <a:lstStyle/>
+            <a:p>
+              <a:r>
+                <a:rPr lang="fr-FR" dirty="0"/>
+                <a:t>19/06</a:t>
+              </a:r>
+            </a:p>
+          </p:txBody>
+        </p:sp>
+      </p:grpSp>
     </p:spTree>
     <p:extLst>
       <p:ext uri="{BB962C8B-B14F-4D97-AF65-F5344CB8AC3E}">
@@ -28028,43 +28058,10 @@
       </p:grpSpPr>
       <p:sp>
         <p:nvSpPr>
-          <p:cNvPr id="2" name="Titre 1">
-            <a:extLst>
-              <a:ext uri="{FF2B5EF4-FFF2-40B4-BE49-F238E27FC236}">
-                <a16:creationId xmlns:a16="http://schemas.microsoft.com/office/drawing/2014/main" id="{E81227D0-1720-4C3A-B54F-74E34D0FA193}"/>
-              </a:ext>
-            </a:extLst>
-          </p:cNvPr>
-          <p:cNvSpPr>
-            <a:spLocks noGrp="1"/>
-          </p:cNvSpPr>
-          <p:nvPr>
-            <p:ph type="title"/>
-          </p:nvPr>
-        </p:nvSpPr>
-        <p:spPr/>
-        <p:txBody>
-          <a:bodyPr/>
-          <a:lstStyle/>
-          <a:p>
-            <a:pPr algn="ctr"/>
-            <a:r>
-              <a:rPr lang="en-US" dirty="0">
-                <a:solidFill>
-                  <a:srgbClr val="007E63"/>
-                </a:solidFill>
-              </a:rPr>
-              <a:t>Next 3 weeks…</a:t>
-            </a:r>
-          </a:p>
-        </p:txBody>
-      </p:sp>
-      <p:sp>
-        <p:nvSpPr>
           <p:cNvPr id="4" name="Espace réservé du numéro de diapositive 3">
             <a:extLst>
               <a:ext uri="{FF2B5EF4-FFF2-40B4-BE49-F238E27FC236}">
-                <a16:creationId xmlns:a16="http://schemas.microsoft.com/office/drawing/2014/main" id="{7B5269C7-C7A5-4E24-AFDC-F84DC4F91119}"/>
+                <a16:creationId xmlns:a16="http://schemas.microsoft.com/office/drawing/2014/main" id="{C7A1BAC0-F0E1-4CBA-BA19-AAF7223CE978}"/>
               </a:ext>
             </a:extLst>
           </p:cNvPr>
@@ -28088,10 +28085,771 @@
           </a:p>
         </p:txBody>
       </p:sp>
+      <p:pic>
+        <p:nvPicPr>
+          <p:cNvPr id="10" name="Image 9">
+            <a:extLst>
+              <a:ext uri="{FF2B5EF4-FFF2-40B4-BE49-F238E27FC236}">
+                <a16:creationId xmlns:a16="http://schemas.microsoft.com/office/drawing/2014/main" id="{A3550DE5-4FB9-4C19-8BEE-AA7B6F388737}"/>
+              </a:ext>
+            </a:extLst>
+          </p:cNvPr>
+          <p:cNvPicPr>
+            <a:picLocks noChangeAspect="1"/>
+          </p:cNvPicPr>
+          <p:nvPr/>
+        </p:nvPicPr>
+        <p:blipFill>
+          <a:blip r:embed="rId2"/>
+          <a:stretch>
+            <a:fillRect/>
+          </a:stretch>
+        </p:blipFill>
+        <p:spPr>
+          <a:xfrm>
+            <a:off x="4094804" y="1414462"/>
+            <a:ext cx="4002392" cy="4029075"/>
+          </a:xfrm>
+          <a:prstGeom prst="rect">
+            <a:avLst/>
+          </a:prstGeom>
+        </p:spPr>
+      </p:pic>
+      <p:grpSp>
+        <p:nvGrpSpPr>
+          <p:cNvPr id="24" name="Groupe 23">
+            <a:extLst>
+              <a:ext uri="{FF2B5EF4-FFF2-40B4-BE49-F238E27FC236}">
+                <a16:creationId xmlns:a16="http://schemas.microsoft.com/office/drawing/2014/main" id="{EF5FB355-F3C5-40AC-8A26-6C9B249062C5}"/>
+              </a:ext>
+            </a:extLst>
+          </p:cNvPr>
+          <p:cNvGrpSpPr/>
+          <p:nvPr/>
+        </p:nvGrpSpPr>
+        <p:grpSpPr>
+          <a:xfrm>
+            <a:off x="901819" y="1845707"/>
+            <a:ext cx="2615962" cy="682388"/>
+            <a:chOff x="841612" y="1319847"/>
+            <a:chExt cx="2615962" cy="682388"/>
+          </a:xfrm>
+        </p:grpSpPr>
+        <p:sp>
+          <p:nvSpPr>
+            <p:cNvPr id="12" name="ZoneTexte 11">
+              <a:extLst>
+                <a:ext uri="{FF2B5EF4-FFF2-40B4-BE49-F238E27FC236}">
+                  <a16:creationId xmlns:a16="http://schemas.microsoft.com/office/drawing/2014/main" id="{E4B643E7-4376-4E83-9776-5DD70B260DA5}"/>
+                </a:ext>
+              </a:extLst>
+            </p:cNvPr>
+            <p:cNvSpPr txBox="1"/>
+            <p:nvPr/>
+          </p:nvSpPr>
+          <p:spPr>
+            <a:xfrm>
+              <a:off x="1523999" y="1476375"/>
+              <a:ext cx="1933575" cy="369332"/>
+            </a:xfrm>
+            <a:prstGeom prst="rect">
+              <a:avLst/>
+            </a:prstGeom>
+            <a:noFill/>
+          </p:spPr>
+          <p:txBody>
+            <a:bodyPr wrap="square" rtlCol="0">
+              <a:spAutoFit/>
+            </a:bodyPr>
+            <a:lstStyle/>
+            <a:p>
+              <a:r>
+                <a:rPr lang="fr-FR" dirty="0" err="1">
+                  <a:solidFill>
+                    <a:srgbClr val="007E63"/>
+                  </a:solidFill>
+                  <a:latin typeface="+mj-lt"/>
+                </a:rPr>
+                <a:t>Cooperative</a:t>
+              </a:r>
+              <a:endParaRPr lang="fr-FR" dirty="0">
+                <a:solidFill>
+                  <a:srgbClr val="007E63"/>
+                </a:solidFill>
+                <a:latin typeface="+mj-lt"/>
+              </a:endParaRPr>
+            </a:p>
+          </p:txBody>
+        </p:sp>
+        <p:pic>
+          <p:nvPicPr>
+            <p:cNvPr id="14" name="Graphique 13" descr="Avis des clients">
+              <a:extLst>
+                <a:ext uri="{FF2B5EF4-FFF2-40B4-BE49-F238E27FC236}">
+                  <a16:creationId xmlns:a16="http://schemas.microsoft.com/office/drawing/2014/main" id="{63AAD560-BC19-4195-A5AC-728B76C9A7EA}"/>
+                </a:ext>
+              </a:extLst>
+            </p:cNvPr>
+            <p:cNvPicPr>
+              <a:picLocks noChangeAspect="1"/>
+            </p:cNvPicPr>
+            <p:nvPr/>
+          </p:nvPicPr>
+          <p:blipFill>
+            <a:blip r:embed="rId3">
+              <a:extLst>
+                <a:ext uri="{28A0092B-C50C-407E-A947-70E740481C1C}">
+                  <a14:useLocalDpi xmlns:a14="http://schemas.microsoft.com/office/drawing/2010/main" val="0"/>
+                </a:ext>
+                <a:ext uri="{96DAC541-7B7A-43D3-8B79-37D633B846F1}">
+                  <asvg:svgBlip xmlns:asvg="http://schemas.microsoft.com/office/drawing/2016/SVG/main" r:embed="rId4"/>
+                </a:ext>
+              </a:extLst>
+            </a:blip>
+            <a:stretch>
+              <a:fillRect/>
+            </a:stretch>
+          </p:blipFill>
+          <p:spPr>
+            <a:xfrm>
+              <a:off x="841612" y="1319847"/>
+              <a:ext cx="682388" cy="682388"/>
+            </a:xfrm>
+            <a:prstGeom prst="rect">
+              <a:avLst/>
+            </a:prstGeom>
+          </p:spPr>
+        </p:pic>
+      </p:grpSp>
+      <p:grpSp>
+        <p:nvGrpSpPr>
+          <p:cNvPr id="25" name="Groupe 24">
+            <a:extLst>
+              <a:ext uri="{FF2B5EF4-FFF2-40B4-BE49-F238E27FC236}">
+                <a16:creationId xmlns:a16="http://schemas.microsoft.com/office/drawing/2014/main" id="{3533C8DD-5689-42F3-A10C-B3E712E63662}"/>
+              </a:ext>
+            </a:extLst>
+          </p:cNvPr>
+          <p:cNvGrpSpPr/>
+          <p:nvPr/>
+        </p:nvGrpSpPr>
+        <p:grpSpPr>
+          <a:xfrm>
+            <a:off x="901819" y="3799919"/>
+            <a:ext cx="2615962" cy="682388"/>
+            <a:chOff x="841612" y="3800475"/>
+            <a:chExt cx="2615962" cy="682388"/>
+          </a:xfrm>
+        </p:grpSpPr>
+        <p:pic>
+          <p:nvPicPr>
+            <p:cNvPr id="15" name="Graphique 14" descr="Pièces de puzzle">
+              <a:extLst>
+                <a:ext uri="{FF2B5EF4-FFF2-40B4-BE49-F238E27FC236}">
+                  <a16:creationId xmlns:a16="http://schemas.microsoft.com/office/drawing/2014/main" id="{77B772E6-59A4-4642-B2FD-BB5C1B62783C}"/>
+                </a:ext>
+              </a:extLst>
+            </p:cNvPr>
+            <p:cNvPicPr>
+              <a:picLocks noChangeAspect="1"/>
+            </p:cNvPicPr>
+            <p:nvPr/>
+          </p:nvPicPr>
+          <p:blipFill>
+            <a:blip r:embed="rId5">
+              <a:extLst>
+                <a:ext uri="{28A0092B-C50C-407E-A947-70E740481C1C}">
+                  <a14:useLocalDpi xmlns:a14="http://schemas.microsoft.com/office/drawing/2010/main" val="0"/>
+                </a:ext>
+                <a:ext uri="{96DAC541-7B7A-43D3-8B79-37D633B846F1}">
+                  <asvg:svgBlip xmlns:asvg="http://schemas.microsoft.com/office/drawing/2016/SVG/main" r:embed="rId6"/>
+                </a:ext>
+              </a:extLst>
+            </a:blip>
+            <a:stretch>
+              <a:fillRect/>
+            </a:stretch>
+          </p:blipFill>
+          <p:spPr>
+            <a:xfrm>
+              <a:off x="841612" y="3800475"/>
+              <a:ext cx="682388" cy="682388"/>
+            </a:xfrm>
+            <a:prstGeom prst="rect">
+              <a:avLst/>
+            </a:prstGeom>
+          </p:spPr>
+        </p:pic>
+        <p:sp>
+          <p:nvSpPr>
+            <p:cNvPr id="16" name="ZoneTexte 15">
+              <a:extLst>
+                <a:ext uri="{FF2B5EF4-FFF2-40B4-BE49-F238E27FC236}">
+                  <a16:creationId xmlns:a16="http://schemas.microsoft.com/office/drawing/2014/main" id="{12D799DD-4267-47F8-8EEA-0E4ACF6E9C27}"/>
+                </a:ext>
+              </a:extLst>
+            </p:cNvPr>
+            <p:cNvSpPr txBox="1"/>
+            <p:nvPr/>
+          </p:nvSpPr>
+          <p:spPr>
+            <a:xfrm>
+              <a:off x="1523999" y="3957003"/>
+              <a:ext cx="1933575" cy="369332"/>
+            </a:xfrm>
+            <a:prstGeom prst="rect">
+              <a:avLst/>
+            </a:prstGeom>
+            <a:noFill/>
+          </p:spPr>
+          <p:txBody>
+            <a:bodyPr wrap="square" rtlCol="0">
+              <a:spAutoFit/>
+            </a:bodyPr>
+            <a:lstStyle/>
+            <a:p>
+              <a:r>
+                <a:rPr lang="fr-FR" dirty="0" err="1">
+                  <a:solidFill>
+                    <a:srgbClr val="007E63"/>
+                  </a:solidFill>
+                  <a:latin typeface="+mj-lt"/>
+                </a:rPr>
+                <a:t>Constrution</a:t>
+              </a:r>
+              <a:endParaRPr lang="fr-FR" dirty="0">
+                <a:solidFill>
+                  <a:srgbClr val="007E63"/>
+                </a:solidFill>
+                <a:latin typeface="+mj-lt"/>
+              </a:endParaRPr>
+            </a:p>
+          </p:txBody>
+        </p:sp>
+      </p:grpSp>
+      <p:grpSp>
+        <p:nvGrpSpPr>
+          <p:cNvPr id="26" name="Groupe 25">
+            <a:extLst>
+              <a:ext uri="{FF2B5EF4-FFF2-40B4-BE49-F238E27FC236}">
+                <a16:creationId xmlns:a16="http://schemas.microsoft.com/office/drawing/2014/main" id="{ADECF31A-E46B-45C7-AD80-F9B222AD265E}"/>
+              </a:ext>
+            </a:extLst>
+          </p:cNvPr>
+          <p:cNvGrpSpPr/>
+          <p:nvPr/>
+        </p:nvGrpSpPr>
+        <p:grpSpPr>
+          <a:xfrm>
+            <a:off x="8674218" y="1852689"/>
+            <a:ext cx="2615963" cy="682388"/>
+            <a:chOff x="9299812" y="1319847"/>
+            <a:chExt cx="2615963" cy="682388"/>
+          </a:xfrm>
+        </p:grpSpPr>
+        <p:pic>
+          <p:nvPicPr>
+            <p:cNvPr id="18" name="Graphique 17" descr="Personne avec une idée">
+              <a:extLst>
+                <a:ext uri="{FF2B5EF4-FFF2-40B4-BE49-F238E27FC236}">
+                  <a16:creationId xmlns:a16="http://schemas.microsoft.com/office/drawing/2014/main" id="{D2C6022E-BD41-48A7-B7A9-1D5D890801F4}"/>
+                </a:ext>
+              </a:extLst>
+            </p:cNvPr>
+            <p:cNvPicPr>
+              <a:picLocks noChangeAspect="1"/>
+            </p:cNvPicPr>
+            <p:nvPr/>
+          </p:nvPicPr>
+          <p:blipFill>
+            <a:blip r:embed="rId7">
+              <a:extLst>
+                <a:ext uri="{28A0092B-C50C-407E-A947-70E740481C1C}">
+                  <a14:useLocalDpi xmlns:a14="http://schemas.microsoft.com/office/drawing/2010/main" val="0"/>
+                </a:ext>
+                <a:ext uri="{96DAC541-7B7A-43D3-8B79-37D633B846F1}">
+                  <asvg:svgBlip xmlns:asvg="http://schemas.microsoft.com/office/drawing/2016/SVG/main" r:embed="rId8"/>
+                </a:ext>
+              </a:extLst>
+            </a:blip>
+            <a:stretch>
+              <a:fillRect/>
+            </a:stretch>
+          </p:blipFill>
+          <p:spPr>
+            <a:xfrm>
+              <a:off x="9299812" y="1319847"/>
+              <a:ext cx="682388" cy="682388"/>
+            </a:xfrm>
+            <a:prstGeom prst="rect">
+              <a:avLst/>
+            </a:prstGeom>
+          </p:spPr>
+        </p:pic>
+        <p:sp>
+          <p:nvSpPr>
+            <p:cNvPr id="19" name="ZoneTexte 18">
+              <a:extLst>
+                <a:ext uri="{FF2B5EF4-FFF2-40B4-BE49-F238E27FC236}">
+                  <a16:creationId xmlns:a16="http://schemas.microsoft.com/office/drawing/2014/main" id="{2EEE1239-B269-46BC-BE0F-0708D72243F0}"/>
+                </a:ext>
+              </a:extLst>
+            </p:cNvPr>
+            <p:cNvSpPr txBox="1"/>
+            <p:nvPr/>
+          </p:nvSpPr>
+          <p:spPr>
+            <a:xfrm>
+              <a:off x="9982200" y="1476375"/>
+              <a:ext cx="1933575" cy="369332"/>
+            </a:xfrm>
+            <a:prstGeom prst="rect">
+              <a:avLst/>
+            </a:prstGeom>
+            <a:noFill/>
+          </p:spPr>
+          <p:txBody>
+            <a:bodyPr wrap="square" rtlCol="0">
+              <a:spAutoFit/>
+            </a:bodyPr>
+            <a:lstStyle/>
+            <a:p>
+              <a:r>
+                <a:rPr lang="fr-FR" dirty="0">
+                  <a:solidFill>
+                    <a:srgbClr val="007E63"/>
+                  </a:solidFill>
+                  <a:latin typeface="+mj-lt"/>
+                </a:rPr>
+                <a:t>Beat the </a:t>
+              </a:r>
+              <a:r>
+                <a:rPr lang="fr-FR" dirty="0" err="1">
+                  <a:solidFill>
+                    <a:srgbClr val="007E63"/>
+                  </a:solidFill>
+                  <a:latin typeface="+mj-lt"/>
+                </a:rPr>
+                <a:t>game</a:t>
+              </a:r>
+              <a:endParaRPr lang="fr-FR" dirty="0">
+                <a:solidFill>
+                  <a:srgbClr val="007E63"/>
+                </a:solidFill>
+                <a:latin typeface="+mj-lt"/>
+              </a:endParaRPr>
+            </a:p>
+          </p:txBody>
+        </p:sp>
+      </p:grpSp>
+      <p:grpSp>
+        <p:nvGrpSpPr>
+          <p:cNvPr id="27" name="Groupe 26">
+            <a:extLst>
+              <a:ext uri="{FF2B5EF4-FFF2-40B4-BE49-F238E27FC236}">
+                <a16:creationId xmlns:a16="http://schemas.microsoft.com/office/drawing/2014/main" id="{A16D6177-17A2-4189-8B75-A571EF2AE365}"/>
+              </a:ext>
+            </a:extLst>
+          </p:cNvPr>
+          <p:cNvGrpSpPr/>
+          <p:nvPr/>
+        </p:nvGrpSpPr>
+        <p:grpSpPr>
+          <a:xfrm>
+            <a:off x="8674218" y="3797064"/>
+            <a:ext cx="2615963" cy="682388"/>
+            <a:chOff x="9299812" y="3799919"/>
+            <a:chExt cx="2615963" cy="682388"/>
+          </a:xfrm>
+        </p:grpSpPr>
+        <p:pic>
+          <p:nvPicPr>
+            <p:cNvPr id="21" name="Graphique 20" descr="Famille avec deux enfants">
+              <a:extLst>
+                <a:ext uri="{FF2B5EF4-FFF2-40B4-BE49-F238E27FC236}">
+                  <a16:creationId xmlns:a16="http://schemas.microsoft.com/office/drawing/2014/main" id="{A6443CA8-25C5-41D7-BAAB-D02B8A2CBEB9}"/>
+                </a:ext>
+              </a:extLst>
+            </p:cNvPr>
+            <p:cNvPicPr>
+              <a:picLocks noChangeAspect="1"/>
+            </p:cNvPicPr>
+            <p:nvPr/>
+          </p:nvPicPr>
+          <p:blipFill>
+            <a:blip r:embed="rId9">
+              <a:extLst>
+                <a:ext uri="{28A0092B-C50C-407E-A947-70E740481C1C}">
+                  <a14:useLocalDpi xmlns:a14="http://schemas.microsoft.com/office/drawing/2010/main" val="0"/>
+                </a:ext>
+                <a:ext uri="{96DAC541-7B7A-43D3-8B79-37D633B846F1}">
+                  <asvg:svgBlip xmlns:asvg="http://schemas.microsoft.com/office/drawing/2016/SVG/main" r:embed="rId10"/>
+                </a:ext>
+              </a:extLst>
+            </a:blip>
+            <a:stretch>
+              <a:fillRect/>
+            </a:stretch>
+          </p:blipFill>
+          <p:spPr>
+            <a:xfrm>
+              <a:off x="9299812" y="3799919"/>
+              <a:ext cx="682388" cy="682388"/>
+            </a:xfrm>
+            <a:prstGeom prst="rect">
+              <a:avLst/>
+            </a:prstGeom>
+          </p:spPr>
+        </p:pic>
+        <p:sp>
+          <p:nvSpPr>
+            <p:cNvPr id="23" name="ZoneTexte 22">
+              <a:extLst>
+                <a:ext uri="{FF2B5EF4-FFF2-40B4-BE49-F238E27FC236}">
+                  <a16:creationId xmlns:a16="http://schemas.microsoft.com/office/drawing/2014/main" id="{613F5B08-F263-4603-BDCF-8E49A9B8960B}"/>
+                </a:ext>
+              </a:extLst>
+            </p:cNvPr>
+            <p:cNvSpPr txBox="1"/>
+            <p:nvPr/>
+          </p:nvSpPr>
+          <p:spPr>
+            <a:xfrm>
+              <a:off x="9982200" y="3956447"/>
+              <a:ext cx="1933575" cy="369332"/>
+            </a:xfrm>
+            <a:prstGeom prst="rect">
+              <a:avLst/>
+            </a:prstGeom>
+            <a:noFill/>
+          </p:spPr>
+          <p:txBody>
+            <a:bodyPr wrap="square" rtlCol="0">
+              <a:spAutoFit/>
+            </a:bodyPr>
+            <a:lstStyle/>
+            <a:p>
+              <a:r>
+                <a:rPr lang="fr-FR" dirty="0">
+                  <a:solidFill>
+                    <a:srgbClr val="007E63"/>
+                  </a:solidFill>
+                  <a:latin typeface="+mj-lt"/>
+                </a:rPr>
+                <a:t>All audiences </a:t>
+              </a:r>
+            </a:p>
+          </p:txBody>
+        </p:sp>
+      </p:grpSp>
     </p:spTree>
     <p:extLst>
       <p:ext uri="{BB962C8B-B14F-4D97-AF65-F5344CB8AC3E}">
-        <p14:creationId xmlns:p14="http://schemas.microsoft.com/office/powerpoint/2010/main" val="1960782763"/>
+        <p14:creationId xmlns:p14="http://schemas.microsoft.com/office/powerpoint/2010/main" val="342595091"/>
+      </p:ext>
+    </p:extLst>
+  </p:cSld>
+  <p:clrMapOvr>
+    <a:masterClrMapping/>
+  </p:clrMapOvr>
+  <p:timing>
+    <p:tnLst>
+      <p:par>
+        <p:cTn id="1" dur="indefinite" restart="never" nodeType="tmRoot">
+          <p:childTnLst>
+            <p:seq concurrent="1" nextAc="seek">
+              <p:cTn id="2" dur="indefinite" nodeType="mainSeq">
+                <p:childTnLst>
+                  <p:par>
+                    <p:cTn id="3" fill="hold">
+                      <p:stCondLst>
+                        <p:cond delay="indefinite"/>
+                      </p:stCondLst>
+                      <p:childTnLst>
+                        <p:par>
+                          <p:cTn id="4" fill="hold">
+                            <p:stCondLst>
+                              <p:cond delay="0"/>
+                            </p:stCondLst>
+                            <p:childTnLst>
+                              <p:par>
+                                <p:cTn id="5" presetID="1" presetClass="entr" presetSubtype="0" fill="hold" nodeType="clickEffect">
+                                  <p:stCondLst>
+                                    <p:cond delay="0"/>
+                                  </p:stCondLst>
+                                  <p:childTnLst>
+                                    <p:set>
+                                      <p:cBhvr>
+                                        <p:cTn id="6" dur="1" fill="hold">
+                                          <p:stCondLst>
+                                            <p:cond delay="0"/>
+                                          </p:stCondLst>
+                                        </p:cTn>
+                                        <p:tgtEl>
+                                          <p:spTgt spid="24"/>
+                                        </p:tgtEl>
+                                        <p:attrNameLst>
+                                          <p:attrName>style.visibility</p:attrName>
+                                        </p:attrNameLst>
+                                      </p:cBhvr>
+                                      <p:to>
+                                        <p:strVal val="visible"/>
+                                      </p:to>
+                                    </p:set>
+                                  </p:childTnLst>
+                                </p:cTn>
+                              </p:par>
+                            </p:childTnLst>
+                          </p:cTn>
+                        </p:par>
+                      </p:childTnLst>
+                    </p:cTn>
+                  </p:par>
+                  <p:par>
+                    <p:cTn id="7" fill="hold">
+                      <p:stCondLst>
+                        <p:cond delay="indefinite"/>
+                      </p:stCondLst>
+                      <p:childTnLst>
+                        <p:par>
+                          <p:cTn id="8" fill="hold">
+                            <p:stCondLst>
+                              <p:cond delay="0"/>
+                            </p:stCondLst>
+                            <p:childTnLst>
+                              <p:par>
+                                <p:cTn id="9" presetID="1" presetClass="entr" presetSubtype="0" fill="hold" nodeType="clickEffect">
+                                  <p:stCondLst>
+                                    <p:cond delay="0"/>
+                                  </p:stCondLst>
+                                  <p:childTnLst>
+                                    <p:set>
+                                      <p:cBhvr>
+                                        <p:cTn id="10" dur="1" fill="hold">
+                                          <p:stCondLst>
+                                            <p:cond delay="0"/>
+                                          </p:stCondLst>
+                                        </p:cTn>
+                                        <p:tgtEl>
+                                          <p:spTgt spid="25"/>
+                                        </p:tgtEl>
+                                        <p:attrNameLst>
+                                          <p:attrName>style.visibility</p:attrName>
+                                        </p:attrNameLst>
+                                      </p:cBhvr>
+                                      <p:to>
+                                        <p:strVal val="visible"/>
+                                      </p:to>
+                                    </p:set>
+                                  </p:childTnLst>
+                                </p:cTn>
+                              </p:par>
+                            </p:childTnLst>
+                          </p:cTn>
+                        </p:par>
+                      </p:childTnLst>
+                    </p:cTn>
+                  </p:par>
+                  <p:par>
+                    <p:cTn id="11" fill="hold">
+                      <p:stCondLst>
+                        <p:cond delay="indefinite"/>
+                      </p:stCondLst>
+                      <p:childTnLst>
+                        <p:par>
+                          <p:cTn id="12" fill="hold">
+                            <p:stCondLst>
+                              <p:cond delay="0"/>
+                            </p:stCondLst>
+                            <p:childTnLst>
+                              <p:par>
+                                <p:cTn id="13" presetID="1" presetClass="entr" presetSubtype="0" fill="hold" nodeType="clickEffect">
+                                  <p:stCondLst>
+                                    <p:cond delay="0"/>
+                                  </p:stCondLst>
+                                  <p:childTnLst>
+                                    <p:set>
+                                      <p:cBhvr>
+                                        <p:cTn id="14" dur="1" fill="hold">
+                                          <p:stCondLst>
+                                            <p:cond delay="0"/>
+                                          </p:stCondLst>
+                                        </p:cTn>
+                                        <p:tgtEl>
+                                          <p:spTgt spid="26"/>
+                                        </p:tgtEl>
+                                        <p:attrNameLst>
+                                          <p:attrName>style.visibility</p:attrName>
+                                        </p:attrNameLst>
+                                      </p:cBhvr>
+                                      <p:to>
+                                        <p:strVal val="visible"/>
+                                      </p:to>
+                                    </p:set>
+                                  </p:childTnLst>
+                                </p:cTn>
+                              </p:par>
+                            </p:childTnLst>
+                          </p:cTn>
+                        </p:par>
+                      </p:childTnLst>
+                    </p:cTn>
+                  </p:par>
+                  <p:par>
+                    <p:cTn id="15" fill="hold">
+                      <p:stCondLst>
+                        <p:cond delay="indefinite"/>
+                      </p:stCondLst>
+                      <p:childTnLst>
+                        <p:par>
+                          <p:cTn id="16" fill="hold">
+                            <p:stCondLst>
+                              <p:cond delay="0"/>
+                            </p:stCondLst>
+                            <p:childTnLst>
+                              <p:par>
+                                <p:cTn id="17" presetID="1" presetClass="entr" presetSubtype="0" fill="hold" nodeType="clickEffect">
+                                  <p:stCondLst>
+                                    <p:cond delay="0"/>
+                                  </p:stCondLst>
+                                  <p:childTnLst>
+                                    <p:set>
+                                      <p:cBhvr>
+                                        <p:cTn id="18" dur="1" fill="hold">
+                                          <p:stCondLst>
+                                            <p:cond delay="0"/>
+                                          </p:stCondLst>
+                                        </p:cTn>
+                                        <p:tgtEl>
+                                          <p:spTgt spid="27"/>
+                                        </p:tgtEl>
+                                        <p:attrNameLst>
+                                          <p:attrName>style.visibility</p:attrName>
+                                        </p:attrNameLst>
+                                      </p:cBhvr>
+                                      <p:to>
+                                        <p:strVal val="visible"/>
+                                      </p:to>
+                                    </p:set>
+                                  </p:childTnLst>
+                                </p:cTn>
+                              </p:par>
+                            </p:childTnLst>
+                          </p:cTn>
+                        </p:par>
+                      </p:childTnLst>
+                    </p:cTn>
+                  </p:par>
+                </p:childTnLst>
+              </p:cTn>
+              <p:prevCondLst>
+                <p:cond evt="onPrev" delay="0">
+                  <p:tgtEl>
+                    <p:sldTgt/>
+                  </p:tgtEl>
+                </p:cond>
+              </p:prevCondLst>
+              <p:nextCondLst>
+                <p:cond evt="onNext" delay="0">
+                  <p:tgtEl>
+                    <p:sldTgt/>
+                  </p:tgtEl>
+                </p:cond>
+              </p:nextCondLst>
+            </p:seq>
+          </p:childTnLst>
+        </p:cTn>
+      </p:par>
+    </p:tnLst>
+  </p:timing>
+</p:sld>
+</file>
+
+<file path=ppt/slides/slide19.xml><?xml version="1.0" encoding="utf-8"?>
+<p:sld xmlns:a="http://schemas.openxmlformats.org/drawingml/2006/main" xmlns:r="http://schemas.openxmlformats.org/officeDocument/2006/relationships" xmlns:p="http://schemas.openxmlformats.org/presentationml/2006/main">
+  <p:cSld>
+    <p:spTree>
+      <p:nvGrpSpPr>
+        <p:cNvPr id="1" name=""/>
+        <p:cNvGrpSpPr/>
+        <p:nvPr/>
+      </p:nvGrpSpPr>
+      <p:grpSpPr>
+        <a:xfrm>
+          <a:off x="0" y="0"/>
+          <a:ext cx="0" cy="0"/>
+          <a:chOff x="0" y="0"/>
+          <a:chExt cx="0" cy="0"/>
+        </a:xfrm>
+      </p:grpSpPr>
+      <p:sp>
+        <p:nvSpPr>
+          <p:cNvPr id="2" name="Espace réservé du numéro de diapositive 1">
+            <a:extLst>
+              <a:ext uri="{FF2B5EF4-FFF2-40B4-BE49-F238E27FC236}">
+                <a16:creationId xmlns:a16="http://schemas.microsoft.com/office/drawing/2014/main" id="{47EC077E-9CA5-4839-B7BD-42B120F4D211}"/>
+              </a:ext>
+            </a:extLst>
+          </p:cNvPr>
+          <p:cNvSpPr>
+            <a:spLocks noGrp="1"/>
+          </p:cNvSpPr>
+          <p:nvPr>
+            <p:ph type="sldNum" sz="quarter" idx="12"/>
+          </p:nvPr>
+        </p:nvSpPr>
+        <p:spPr/>
+        <p:txBody>
+          <a:bodyPr/>
+          <a:lstStyle/>
+          <a:p>
+            <a:fld id="{952AB813-CED5-4F22-A664-DE41D745069D}" type="slidenum">
+              <a:rPr lang="fr-CH" smtClean="0"/>
+              <a:t>19</a:t>
+            </a:fld>
+            <a:endParaRPr lang="fr-CH"/>
+          </a:p>
+        </p:txBody>
+      </p:sp>
+      <p:sp>
+        <p:nvSpPr>
+          <p:cNvPr id="3" name="ZoneTexte 2">
+            <a:extLst>
+              <a:ext uri="{FF2B5EF4-FFF2-40B4-BE49-F238E27FC236}">
+                <a16:creationId xmlns:a16="http://schemas.microsoft.com/office/drawing/2014/main" id="{39C12AF0-9C24-40D8-8FF2-579F1162A992}"/>
+              </a:ext>
+            </a:extLst>
+          </p:cNvPr>
+          <p:cNvSpPr txBox="1"/>
+          <p:nvPr/>
+        </p:nvSpPr>
+        <p:spPr>
+          <a:xfrm>
+            <a:off x="2771775" y="2314575"/>
+            <a:ext cx="7848600" cy="707886"/>
+          </a:xfrm>
+          <a:prstGeom prst="rect">
+            <a:avLst/>
+          </a:prstGeom>
+          <a:noFill/>
+        </p:spPr>
+        <p:txBody>
+          <a:bodyPr wrap="square" rtlCol="0">
+            <a:spAutoFit/>
+          </a:bodyPr>
+          <a:lstStyle/>
+          <a:p>
+            <a:r>
+              <a:rPr lang="en-US" sz="4000" dirty="0"/>
+              <a:t>Photos of different actions</a:t>
+            </a:r>
+          </a:p>
+        </p:txBody>
+      </p:sp>
+    </p:spTree>
+    <p:extLst>
+      <p:ext uri="{BB962C8B-B14F-4D97-AF65-F5344CB8AC3E}">
+        <p14:creationId xmlns:p14="http://schemas.microsoft.com/office/powerpoint/2010/main" val="2694043237"/>
       </p:ext>
     </p:extLst>
   </p:cSld>
@@ -28289,7 +29047,7 @@
         </p:blipFill>
         <p:spPr>
           <a:xfrm>
-            <a:off x="8870088" y="2843812"/>
+            <a:off x="8870091" y="2843813"/>
             <a:ext cx="1170373" cy="1170373"/>
           </a:xfrm>
           <a:prstGeom prst="rect">
@@ -28301,6 +29059,157 @@
     <p:extLst>
       <p:ext uri="{BB962C8B-B14F-4D97-AF65-F5344CB8AC3E}">
         <p14:creationId xmlns:p14="http://schemas.microsoft.com/office/powerpoint/2010/main" val="953653066"/>
+      </p:ext>
+    </p:extLst>
+  </p:cSld>
+  <p:clrMapOvr>
+    <a:masterClrMapping/>
+  </p:clrMapOvr>
+</p:sld>
+</file>
+
+<file path=ppt/slides/slide20.xml><?xml version="1.0" encoding="utf-8"?>
+<p:sld xmlns:a="http://schemas.openxmlformats.org/drawingml/2006/main" xmlns:r="http://schemas.openxmlformats.org/officeDocument/2006/relationships" xmlns:p="http://schemas.openxmlformats.org/presentationml/2006/main">
+  <p:cSld>
+    <p:spTree>
+      <p:nvGrpSpPr>
+        <p:cNvPr id="1" name=""/>
+        <p:cNvGrpSpPr/>
+        <p:nvPr/>
+      </p:nvGrpSpPr>
+      <p:grpSpPr>
+        <a:xfrm>
+          <a:off x="0" y="0"/>
+          <a:ext cx="0" cy="0"/>
+          <a:chOff x="0" y="0"/>
+          <a:chExt cx="0" cy="0"/>
+        </a:xfrm>
+      </p:grpSpPr>
+      <p:sp>
+        <p:nvSpPr>
+          <p:cNvPr id="2" name="Espace réservé du numéro de diapositive 1">
+            <a:extLst>
+              <a:ext uri="{FF2B5EF4-FFF2-40B4-BE49-F238E27FC236}">
+                <a16:creationId xmlns:a16="http://schemas.microsoft.com/office/drawing/2014/main" id="{C1E719A4-571D-42D1-B54B-887127380586}"/>
+              </a:ext>
+            </a:extLst>
+          </p:cNvPr>
+          <p:cNvSpPr>
+            <a:spLocks noGrp="1"/>
+          </p:cNvSpPr>
+          <p:nvPr>
+            <p:ph type="sldNum" sz="quarter" idx="12"/>
+          </p:nvPr>
+        </p:nvSpPr>
+        <p:spPr/>
+        <p:txBody>
+          <a:bodyPr/>
+          <a:lstStyle/>
+          <a:p>
+            <a:fld id="{952AB813-CED5-4F22-A664-DE41D745069D}" type="slidenum">
+              <a:rPr lang="fr-CH" smtClean="0"/>
+              <a:t>20</a:t>
+            </a:fld>
+            <a:endParaRPr lang="fr-CH"/>
+          </a:p>
+        </p:txBody>
+      </p:sp>
+    </p:spTree>
+    <p:extLst>
+      <p:ext uri="{BB962C8B-B14F-4D97-AF65-F5344CB8AC3E}">
+        <p14:creationId xmlns:p14="http://schemas.microsoft.com/office/powerpoint/2010/main" val="2686342885"/>
+      </p:ext>
+    </p:extLst>
+  </p:cSld>
+  <p:clrMapOvr>
+    <a:masterClrMapping/>
+  </p:clrMapOvr>
+</p:sld>
+</file>
+
+<file path=ppt/slides/slide21.xml><?xml version="1.0" encoding="utf-8"?>
+<p:sld xmlns:a="http://schemas.openxmlformats.org/drawingml/2006/main" xmlns:r="http://schemas.openxmlformats.org/officeDocument/2006/relationships" xmlns:p="http://schemas.openxmlformats.org/presentationml/2006/main">
+  <p:cSld>
+    <p:spTree>
+      <p:nvGrpSpPr>
+        <p:cNvPr id="1" name=""/>
+        <p:cNvGrpSpPr/>
+        <p:nvPr/>
+      </p:nvGrpSpPr>
+      <p:grpSpPr>
+        <a:xfrm>
+          <a:off x="0" y="0"/>
+          <a:ext cx="0" cy="0"/>
+          <a:chOff x="0" y="0"/>
+          <a:chExt cx="0" cy="0"/>
+        </a:xfrm>
+      </p:grpSpPr>
+      <p:sp>
+        <p:nvSpPr>
+          <p:cNvPr id="2" name="Titre 1">
+            <a:extLst>
+              <a:ext uri="{FF2B5EF4-FFF2-40B4-BE49-F238E27FC236}">
+                <a16:creationId xmlns:a16="http://schemas.microsoft.com/office/drawing/2014/main" id="{E81227D0-1720-4C3A-B54F-74E34D0FA193}"/>
+              </a:ext>
+            </a:extLst>
+          </p:cNvPr>
+          <p:cNvSpPr>
+            <a:spLocks noGrp="1"/>
+          </p:cNvSpPr>
+          <p:nvPr>
+            <p:ph type="title"/>
+          </p:nvPr>
+        </p:nvSpPr>
+        <p:spPr/>
+        <p:txBody>
+          <a:bodyPr/>
+          <a:lstStyle/>
+          <a:p>
+            <a:pPr algn="ctr"/>
+            <a:r>
+              <a:rPr lang="en-US" dirty="0">
+                <a:solidFill>
+                  <a:srgbClr val="007E63"/>
+                </a:solidFill>
+              </a:rPr>
+              <a:t>Next 3 weeks…</a:t>
+            </a:r>
+          </a:p>
+        </p:txBody>
+      </p:sp>
+      <p:sp>
+        <p:nvSpPr>
+          <p:cNvPr id="4" name="Espace réservé du numéro de diapositive 3">
+            <a:extLst>
+              <a:ext uri="{FF2B5EF4-FFF2-40B4-BE49-F238E27FC236}">
+                <a16:creationId xmlns:a16="http://schemas.microsoft.com/office/drawing/2014/main" id="{7B5269C7-C7A5-4E24-AFDC-F84DC4F91119}"/>
+              </a:ext>
+            </a:extLst>
+          </p:cNvPr>
+          <p:cNvSpPr>
+            <a:spLocks noGrp="1"/>
+          </p:cNvSpPr>
+          <p:nvPr>
+            <p:ph type="sldNum" sz="quarter" idx="12"/>
+          </p:nvPr>
+        </p:nvSpPr>
+        <p:spPr/>
+        <p:txBody>
+          <a:bodyPr/>
+          <a:lstStyle/>
+          <a:p>
+            <a:fld id="{952AB813-CED5-4F22-A664-DE41D745069D}" type="slidenum">
+              <a:rPr lang="fr-CH" smtClean="0"/>
+              <a:t>21</a:t>
+            </a:fld>
+            <a:endParaRPr lang="fr-CH"/>
+          </a:p>
+        </p:txBody>
+      </p:sp>
+    </p:spTree>
+    <p:extLst>
+      <p:ext uri="{BB962C8B-B14F-4D97-AF65-F5344CB8AC3E}">
+        <p14:creationId xmlns:p14="http://schemas.microsoft.com/office/powerpoint/2010/main" val="1960782763"/>
       </p:ext>
     </p:extLst>
   </p:cSld>
